--- a/Dieudonné_Thibault_5_presentation_072022.pptx
+++ b/Dieudonné_Thibault_5_presentation_072022.pptx
@@ -126,6 +126,11 @@
       </a:defRPr>
     </a:lvl9pPr>
   </p:defaultTextStyle>
+  <p:extLst>
+    <p:ext uri="{EFAFB233-063F-42B5-8137-9DF3F51BA10A}">
+      <p15:sldGuideLst xmlns:p15="http://schemas.microsoft.com/office/powerpoint/2012/main"/>
+    </p:ext>
+  </p:extLst>
 </p:presentation>
 </file>
 
@@ -211,7 +216,7 @@
           <a:p>
             <a:fld id="{EBB7FDC9-B219-4DF3-B3F0-14CDEE0377F9}" type="datetimeFigureOut">
               <a:rPr lang="fr-FR" smtClean="0"/>
-              <a:t>05/07/2022</a:t>
+              <a:t>06/07/2022</a:t>
             </a:fld>
             <a:endParaRPr lang="fr-FR"/>
           </a:p>
@@ -814,7 +819,7 @@
           <a:p>
             <a:fld id="{2EDC4E7A-49D4-4DC9-803F-B50650DB1ADE}" type="datetime1">
               <a:rPr lang="fr-FR" smtClean="0"/>
-              <a:t>05/07/2022</a:t>
+              <a:t>06/07/2022</a:t>
             </a:fld>
             <a:endParaRPr lang="fr-FR"/>
           </a:p>
@@ -1902,7 +1907,7 @@
           <a:p>
             <a:fld id="{32C9FB29-2EE8-4F62-B13E-847D939F1BB1}" type="datetime1">
               <a:rPr lang="fr-FR" smtClean="0"/>
-              <a:t>05/07/2022</a:t>
+              <a:t>06/07/2022</a:t>
             </a:fld>
             <a:endParaRPr lang="fr-FR"/>
           </a:p>
@@ -2882,7 +2887,7 @@
           <a:p>
             <a:fld id="{E9D629BB-B748-4393-83F2-EB97C3A11DBA}" type="datetime1">
               <a:rPr lang="fr-FR" smtClean="0"/>
-              <a:t>05/07/2022</a:t>
+              <a:t>06/07/2022</a:t>
             </a:fld>
             <a:endParaRPr lang="fr-FR"/>
           </a:p>
@@ -4016,7 +4021,7 @@
           <a:p>
             <a:fld id="{40649D8D-FC0C-44E7-BD0D-3727583F9DAE}" type="datetime1">
               <a:rPr lang="fr-FR" smtClean="0"/>
-              <a:t>05/07/2022</a:t>
+              <a:t>06/07/2022</a:t>
             </a:fld>
             <a:endParaRPr lang="fr-FR"/>
           </a:p>
@@ -5049,7 +5054,7 @@
           <a:p>
             <a:fld id="{63CC649C-4B03-473A-8079-9BFE7126380E}" type="datetime1">
               <a:rPr lang="fr-FR" smtClean="0"/>
-              <a:t>05/07/2022</a:t>
+              <a:t>06/07/2022</a:t>
             </a:fld>
             <a:endParaRPr lang="fr-FR"/>
           </a:p>
@@ -5709,7 +5714,7 @@
           <a:p>
             <a:fld id="{148B29D8-5FDD-4E68-916B-447F703FAC6F}" type="datetime1">
               <a:rPr lang="fr-FR" smtClean="0"/>
-              <a:t>05/07/2022</a:t>
+              <a:t>06/07/2022</a:t>
             </a:fld>
             <a:endParaRPr lang="fr-FR"/>
           </a:p>
@@ -6570,7 +6575,7 @@
           <a:p>
             <a:fld id="{9C2DC746-A639-4908-85A7-99A80AA808BB}" type="datetime1">
               <a:rPr lang="fr-FR" smtClean="0"/>
-              <a:t>05/07/2022</a:t>
+              <a:t>06/07/2022</a:t>
             </a:fld>
             <a:endParaRPr lang="fr-FR"/>
           </a:p>
@@ -6760,7 +6765,7 @@
           <a:p>
             <a:fld id="{07AB0ACC-CB40-4B91-A5F7-F8421644762F}" type="datetime1">
               <a:rPr lang="fr-FR" smtClean="0"/>
-              <a:t>05/07/2022</a:t>
+              <a:t>06/07/2022</a:t>
             </a:fld>
             <a:endParaRPr lang="fr-FR"/>
           </a:p>
@@ -7732,7 +7737,7 @@
           <a:p>
             <a:fld id="{D2A9F1FB-0728-4D98-9900-0248D8E9BD96}" type="datetime1">
               <a:rPr lang="fr-FR" smtClean="0"/>
-              <a:t>05/07/2022</a:t>
+              <a:t>06/07/2022</a:t>
             </a:fld>
             <a:endParaRPr lang="fr-FR"/>
           </a:p>
@@ -7943,7 +7948,7 @@
           <a:p>
             <a:fld id="{5A32E727-C480-4705-9E3F-3AC745C2DFDC}" type="datetime1">
               <a:rPr lang="fr-FR" smtClean="0"/>
-              <a:t>05/07/2022</a:t>
+              <a:t>06/07/2022</a:t>
             </a:fld>
             <a:endParaRPr lang="fr-FR"/>
           </a:p>
@@ -8977,7 +8982,7 @@
           <a:p>
             <a:fld id="{83BC1704-A1CE-437E-9D63-4F2749789876}" type="datetime1">
               <a:rPr lang="fr-FR" smtClean="0"/>
-              <a:t>05/07/2022</a:t>
+              <a:t>06/07/2022</a:t>
             </a:fld>
             <a:endParaRPr lang="fr-FR"/>
           </a:p>
@@ -9249,7 +9254,7 @@
           <a:p>
             <a:fld id="{3A2027BD-8FC3-4729-8EE7-B51A0C3FDC8D}" type="datetime1">
               <a:rPr lang="fr-FR" smtClean="0"/>
-              <a:t>05/07/2022</a:t>
+              <a:t>06/07/2022</a:t>
             </a:fld>
             <a:endParaRPr lang="fr-FR"/>
           </a:p>
@@ -9659,7 +9664,7 @@
           <a:p>
             <a:fld id="{DBE776E7-C76F-4FF6-8487-093B18AC3078}" type="datetime1">
               <a:rPr lang="fr-FR" smtClean="0"/>
-              <a:t>05/07/2022</a:t>
+              <a:t>06/07/2022</a:t>
             </a:fld>
             <a:endParaRPr lang="fr-FR"/>
           </a:p>
@@ -9786,7 +9791,7 @@
           <a:p>
             <a:fld id="{05CE3434-0A1C-4987-AC7D-DF7EE650F235}" type="datetime1">
               <a:rPr lang="fr-FR" smtClean="0"/>
-              <a:t>05/07/2022</a:t>
+              <a:t>06/07/2022</a:t>
             </a:fld>
             <a:endParaRPr lang="fr-FR"/>
           </a:p>
@@ -9881,7 +9886,7 @@
           <a:p>
             <a:fld id="{AC6BD28A-20D1-465C-A4F9-A7030A89E6D7}" type="datetime1">
               <a:rPr lang="fr-FR" smtClean="0"/>
-              <a:t>05/07/2022</a:t>
+              <a:t>06/07/2022</a:t>
             </a:fld>
             <a:endParaRPr lang="fr-FR"/>
           </a:p>
@@ -10962,7 +10967,7 @@
           <a:p>
             <a:fld id="{4AB82E84-89BF-4EFE-A503-D081FEBDAA1B}" type="datetime1">
               <a:rPr lang="fr-FR" smtClean="0"/>
-              <a:t>05/07/2022</a:t>
+              <a:t>06/07/2022</a:t>
             </a:fld>
             <a:endParaRPr lang="fr-FR"/>
           </a:p>
@@ -12070,7 +12075,7 @@
           <a:p>
             <a:fld id="{2C98F9A6-3A09-42B2-A42E-1D93D416E254}" type="datetime1">
               <a:rPr lang="fr-FR" smtClean="0"/>
-              <a:t>05/07/2022</a:t>
+              <a:t>06/07/2022</a:t>
             </a:fld>
             <a:endParaRPr lang="fr-FR"/>
           </a:p>
@@ -13067,7 +13072,7 @@
           <a:p>
             <a:fld id="{8587F06A-0F0F-4D7E-9DAE-E6B8732E8149}" type="datetime1">
               <a:rPr lang="fr-FR" smtClean="0"/>
-              <a:t>05/07/2022</a:t>
+              <a:t>06/07/2022</a:t>
             </a:fld>
             <a:endParaRPr lang="fr-FR"/>
           </a:p>
@@ -13816,7 +13821,7 @@
             <a:pPr algn="ctr"/>
             <a:r>
               <a:rPr lang="fr-FR" sz="2000" dirty="0"/>
-              <a:t>s’adapter à ses besoins en aménageant la mission </a:t>
+              <a:t>s’adapter aux besoins du client en aménageant la mission </a:t>
             </a:r>
           </a:p>
           <a:p>
@@ -17027,13 +17032,13 @@
           <a:p>
             <a:r>
               <a:rPr lang="fr-FR" dirty="0"/>
-              <a:t>La CNIL est l’organisme français de régulation qui s’assure du respect des lois concernant la collecte, le stockage et l’usage de données personnelles</a:t>
+              <a:t>La CNIL est l’organisme français qui s’assure du respect des lois concernant la collecte, le stockage et l’usage de données personnelles</a:t>
             </a:r>
           </a:p>
           <a:p>
             <a:r>
               <a:rPr lang="fr-FR" dirty="0"/>
-              <a:t>L’une des exigence est de remplir une fiche de registre pour chaque traitement impliquant des données personnelles:</a:t>
+              <a:t>L’une des exigences est de remplir une fiche de registre pour chaque traitement impliquant des données personnelles:</a:t>
             </a:r>
           </a:p>
         </p:txBody>
@@ -17193,7 +17198,7 @@
             <a:pPr algn="ctr"/>
             <a:r>
               <a:rPr lang="fr-FR" sz="2000" dirty="0"/>
-              <a:t>Il comporte une centaine d’articles dont certains exigent des obligations des entreprises désirant faire usage de données personnelles. La sensibilité des données augmente le degré de contraintes.</a:t>
+              <a:t>Il comporte une centaine d’articles dont certains exigent des obligations des entreprises qui désirent faire usage de données personnelles. La sensibilité des données augmente le degré de contraintes pour l’entreprise.</a:t>
             </a:r>
           </a:p>
           <a:p>
@@ -17325,7 +17330,7 @@
             </a:pPr>
             <a:r>
               <a:rPr lang="fr-FR" sz="2000" dirty="0"/>
-              <a:t>Sources d’informations personnelles dans ce projet:</a:t>
+              <a:t>Sources d’informations personnelles du projet:</a:t>
             </a:r>
           </a:p>
           <a:p>
@@ -17487,7 +17492,7 @@
         <p:spPr>
           <a:xfrm>
             <a:off x="1098616" y="2469157"/>
-            <a:ext cx="9700837" cy="3992314"/>
+            <a:ext cx="10016227" cy="4224606"/>
           </a:xfrm>
         </p:spPr>
         <p:txBody>
@@ -17510,13 +17515,13 @@
           <a:p>
             <a:r>
               <a:rPr lang="fr-FR" dirty="0"/>
-              <a:t>Dans le cas de ce projet, il s’agira de s’assurer que les personnes appartenant à des ethnies et/ou à des genres potentiellement sous représentés ne se voient pas recommander des produits stéréotypés (qui soient sans lien avec leur profil vestimentaire mais avec la couleur de peau, par exemple).</a:t>
+              <a:t>Dans le cas de ce projet, il s’agira de s’assurer que les personnes appartenant à des ethnies et/ou à des genres potentiellement sous représentés dans le jeu d’entraînement ne se voient pas recommander des produits stéréotypés (qui soient sans lien avec leur profil vestimentaire mais avec la couleur de peau, par exemple).</a:t>
             </a:r>
           </a:p>
           <a:p>
             <a:r>
               <a:rPr lang="fr-FR" dirty="0"/>
-              <a:t>D’une manière générale il faudra s’assurer que tout profil d’utilisateur reçoit des recommandations de qualité similaire. L’enjeu éthique étant que l’on souhaite produire une IA qui ne puisse pas être considérée comme discriminante.</a:t>
+              <a:t>D’une manière générale il faudra s’assurer qu’une large variété de profils d’utilisateurs reçoit des recommandations de qualité similaire. L’enjeu éthique étant que l’on souhaite produire une IA qui ne puisse pas être considérée comme discriminante.</a:t>
             </a:r>
           </a:p>
         </p:txBody>
@@ -18256,7 +18261,7 @@
             </a:pPr>
             <a:r>
               <a:rPr lang="fr-FR" dirty="0"/>
-              <a:t>L’objectif de ce projet est d’améliorer l’image de marque et les ventes de Fashion-Insta en proposant une application mobile innovante, ludique et gratuite.</a:t>
+              <a:t>L’objectif de ce projet est d’améliorer l’image de marque et les ventes de Fashion-Insta en proposant une application mobile innovante, ludique et gratuite. Il y a de bonnes chances que cette application ait un impact significatif sur le taux de conversion des clients en ligne.</a:t>
             </a:r>
           </a:p>
         </p:txBody>
@@ -18565,7 +18570,7 @@
           <p:nvPr>
             <p:extLst>
               <p:ext uri="{D42A27DB-BD31-4B8C-83A1-F6EECF244321}">
-                <p14:modId xmlns:p14="http://schemas.microsoft.com/office/powerpoint/2010/main" val="3964681919"/>
+                <p14:modId xmlns:p14="http://schemas.microsoft.com/office/powerpoint/2010/main" val="3398071750"/>
               </p:ext>
             </p:extLst>
           </p:nvPr>
@@ -18604,10 +18609,16 @@
                     <a:p>
                       <a:pPr algn="l" fontAlgn="b"/>
                       <a:r>
+                        <a:rPr lang="fr-FR" sz="1100" b="1" u="none" strike="noStrike" dirty="0">
+                          <a:effectLst/>
+                        </a:rPr>
+                        <a:t>Rentabilité (exploitation sur 5 ans</a:t>
+                      </a:r>
+                      <a:r>
                         <a:rPr lang="fr-FR" sz="1100" u="none" strike="noStrike" dirty="0">
                           <a:effectLst/>
                         </a:rPr>
-                        <a:t>Rentabilité (exploitation sur 5 ans)</a:t>
+                        <a:t>)</a:t>
                       </a:r>
                       <a:endParaRPr lang="fr-FR" sz="1100" b="1" i="0" u="none" strike="noStrike" dirty="0">
                         <a:solidFill>
@@ -18713,7 +18724,7 @@
                         <a:rPr lang="fr-FR" sz="1100" u="none" strike="noStrike" dirty="0">
                           <a:effectLst/>
                         </a:rPr>
-                        <a:t>Chiffre d'affaire annuel moyen sur 5 ans</a:t>
+                        <a:t>Chiffre d'affaire annuel moyen</a:t>
                       </a:r>
                       <a:endParaRPr lang="fr-FR" sz="1100" b="0" i="0" u="none" strike="noStrike" dirty="0">
                         <a:solidFill>
